--- a/mtk_Lab5.pptx
+++ b/mtk_Lab5.pptx
@@ -268,7 +268,7 @@
           <a:p>
             <a:fld id="{A711833C-3F17-4D1F-A251-1A526FE311BC}" type="datetimeFigureOut">
               <a:rPr lang="zh-TW" altLang="en-US" smtClean="0"/>
-              <a:t>2020/10/27</a:t>
+              <a:t>2020/11/5</a:t>
             </a:fld>
             <a:endParaRPr lang="zh-TW" altLang="en-US"/>
           </a:p>
@@ -438,7 +438,7 @@
           <a:p>
             <a:fld id="{A711833C-3F17-4D1F-A251-1A526FE311BC}" type="datetimeFigureOut">
               <a:rPr lang="zh-TW" altLang="en-US" smtClean="0"/>
-              <a:t>2020/10/27</a:t>
+              <a:t>2020/11/5</a:t>
             </a:fld>
             <a:endParaRPr lang="zh-TW" altLang="en-US"/>
           </a:p>
@@ -618,7 +618,7 @@
           <a:p>
             <a:fld id="{A711833C-3F17-4D1F-A251-1A526FE311BC}" type="datetimeFigureOut">
               <a:rPr lang="zh-TW" altLang="en-US" smtClean="0"/>
-              <a:t>2020/10/27</a:t>
+              <a:t>2020/11/5</a:t>
             </a:fld>
             <a:endParaRPr lang="zh-TW" altLang="en-US"/>
           </a:p>
@@ -788,7 +788,7 @@
           <a:p>
             <a:fld id="{A711833C-3F17-4D1F-A251-1A526FE311BC}" type="datetimeFigureOut">
               <a:rPr lang="zh-TW" altLang="en-US" smtClean="0"/>
-              <a:t>2020/10/27</a:t>
+              <a:t>2020/11/5</a:t>
             </a:fld>
             <a:endParaRPr lang="zh-TW" altLang="en-US"/>
           </a:p>
@@ -1034,7 +1034,7 @@
           <a:p>
             <a:fld id="{A711833C-3F17-4D1F-A251-1A526FE311BC}" type="datetimeFigureOut">
               <a:rPr lang="zh-TW" altLang="en-US" smtClean="0"/>
-              <a:t>2020/10/27</a:t>
+              <a:t>2020/11/5</a:t>
             </a:fld>
             <a:endParaRPr lang="zh-TW" altLang="en-US"/>
           </a:p>
@@ -1266,7 +1266,7 @@
           <a:p>
             <a:fld id="{A711833C-3F17-4D1F-A251-1A526FE311BC}" type="datetimeFigureOut">
               <a:rPr lang="zh-TW" altLang="en-US" smtClean="0"/>
-              <a:t>2020/10/27</a:t>
+              <a:t>2020/11/5</a:t>
             </a:fld>
             <a:endParaRPr lang="zh-TW" altLang="en-US"/>
           </a:p>
@@ -1633,7 +1633,7 @@
           <a:p>
             <a:fld id="{A711833C-3F17-4D1F-A251-1A526FE311BC}" type="datetimeFigureOut">
               <a:rPr lang="zh-TW" altLang="en-US" smtClean="0"/>
-              <a:t>2020/10/27</a:t>
+              <a:t>2020/11/5</a:t>
             </a:fld>
             <a:endParaRPr lang="zh-TW" altLang="en-US"/>
           </a:p>
@@ -1751,7 +1751,7 @@
           <a:p>
             <a:fld id="{A711833C-3F17-4D1F-A251-1A526FE311BC}" type="datetimeFigureOut">
               <a:rPr lang="zh-TW" altLang="en-US" smtClean="0"/>
-              <a:t>2020/10/27</a:t>
+              <a:t>2020/11/5</a:t>
             </a:fld>
             <a:endParaRPr lang="zh-TW" altLang="en-US"/>
           </a:p>
@@ -1846,7 +1846,7 @@
           <a:p>
             <a:fld id="{A711833C-3F17-4D1F-A251-1A526FE311BC}" type="datetimeFigureOut">
               <a:rPr lang="zh-TW" altLang="en-US" smtClean="0"/>
-              <a:t>2020/10/27</a:t>
+              <a:t>2020/11/5</a:t>
             </a:fld>
             <a:endParaRPr lang="zh-TW" altLang="en-US"/>
           </a:p>
@@ -2123,7 +2123,7 @@
           <a:p>
             <a:fld id="{A711833C-3F17-4D1F-A251-1A526FE311BC}" type="datetimeFigureOut">
               <a:rPr lang="zh-TW" altLang="en-US" smtClean="0"/>
-              <a:t>2020/10/27</a:t>
+              <a:t>2020/11/5</a:t>
             </a:fld>
             <a:endParaRPr lang="zh-TW" altLang="en-US"/>
           </a:p>
@@ -2376,7 +2376,7 @@
           <a:p>
             <a:fld id="{A711833C-3F17-4D1F-A251-1A526FE311BC}" type="datetimeFigureOut">
               <a:rPr lang="zh-TW" altLang="en-US" smtClean="0"/>
-              <a:t>2020/10/27</a:t>
+              <a:t>2020/11/5</a:t>
             </a:fld>
             <a:endParaRPr lang="zh-TW" altLang="en-US"/>
           </a:p>
@@ -2589,7 +2589,7 @@
           <a:p>
             <a:fld id="{A711833C-3F17-4D1F-A251-1A526FE311BC}" type="datetimeFigureOut">
               <a:rPr lang="zh-TW" altLang="en-US" smtClean="0"/>
-              <a:t>2020/10/27</a:t>
+              <a:t>2020/11/5</a:t>
             </a:fld>
             <a:endParaRPr lang="zh-TW" altLang="en-US"/>
           </a:p>
@@ -7517,19 +7517,27 @@
             <a:pPr lvl="1"/>
             <a:r>
               <a:rPr lang="en-US" altLang="zh-TW" dirty="0" smtClean="0"/>
-              <a:t>Email it to </a:t>
-            </a:r>
-            <a:r>
-              <a:rPr lang="en-US" altLang="zh-TW" dirty="0" smtClean="0">
+              <a:t>Email it </a:t>
+            </a:r>
+            <a:r>
+              <a:rPr lang="en-US" altLang="zh-TW" smtClean="0"/>
+              <a:t>to </a:t>
+            </a:r>
+            <a:r>
+              <a:rPr lang="en-US" altLang="zh-TW" smtClean="0">
                 <a:solidFill>
                   <a:srgbClr val="FF0000"/>
                 </a:solidFill>
               </a:rPr>
-              <a:t>julialu.cs08g@nctu.edu.tw</a:t>
+              <a:t>julialu67.cs08g@nctu.edu.tw</a:t>
+            </a:r>
+            <a:r>
+              <a:rPr lang="en-US" altLang="zh-TW" smtClean="0"/>
+              <a:t> </a:t>
             </a:r>
             <a:r>
               <a:rPr lang="en-US" altLang="zh-TW" dirty="0" smtClean="0"/>
-              <a:t> with subject </a:t>
+              <a:t>with subject </a:t>
             </a:r>
             <a:r>
               <a:rPr lang="en-US" altLang="zh-TW" dirty="0" smtClean="0">
